--- a/Notebooks/EngineeringNotebook/MS-PowerPoint-Files/tsWxGTUI_PyVx/UseCase_3_Sample_Platform_Configurations.pptx
+++ b/Notebooks/EngineeringNotebook/MS-PowerPoint-Files/tsWxGTUI_PyVx/UseCase_3_Sample_Platform_Configurations.pptx
@@ -289,7 +289,7 @@
               <a:pPr>
                 <a:defRPr/>
               </a:pPr>
-              <a:t>11/25/2015</a:t>
+              <a:t>12/23/2016</a:t>
             </a:fld>
             <a:endParaRPr lang="en-US"/>
           </a:p>
@@ -526,7 +526,7 @@
               <a:pPr>
                 <a:defRPr/>
               </a:pPr>
-              <a:t>11/25/2015</a:t>
+              <a:t>12/23/2016</a:t>
             </a:fld>
             <a:endParaRPr lang="en-US"/>
           </a:p>
@@ -598,35 +598,35 @@
           <a:p>
             <a:pPr lvl="0"/>
             <a:r>
-              <a:rPr lang="en-US" noProof="0" smtClean="0"/>
+              <a:rPr lang="en-US" noProof="0"/>
               <a:t>Click to edit Master text styles</a:t>
             </a:r>
           </a:p>
           <a:p>
             <a:pPr lvl="1"/>
             <a:r>
-              <a:rPr lang="en-US" noProof="0" smtClean="0"/>
+              <a:rPr lang="en-US" noProof="0"/>
               <a:t>Second level</a:t>
             </a:r>
           </a:p>
           <a:p>
             <a:pPr lvl="2"/>
             <a:r>
-              <a:rPr lang="en-US" noProof="0" smtClean="0"/>
+              <a:rPr lang="en-US" noProof="0"/>
               <a:t>Third level</a:t>
             </a:r>
           </a:p>
           <a:p>
             <a:pPr lvl="3"/>
             <a:r>
-              <a:rPr lang="en-US" noProof="0" smtClean="0"/>
+              <a:rPr lang="en-US" noProof="0"/>
               <a:t>Fourth level</a:t>
             </a:r>
           </a:p>
           <a:p>
             <a:pPr lvl="4"/>
             <a:r>
-              <a:rPr lang="en-US" noProof="0" smtClean="0"/>
+              <a:rPr lang="en-US" noProof="0"/>
               <a:t>Fifth level</a:t>
             </a:r>
           </a:p>
@@ -913,7 +913,7 @@
           <a:lstStyle/>
           <a:p>
             <a:pPr eaLnBrk="1" hangingPunct="1"/>
-            <a:endParaRPr lang="en-US" smtClean="0"/>
+            <a:endParaRPr lang="en-US"/>
           </a:p>
         </p:txBody>
       </p:sp>
@@ -980,7 +980,7 @@
           <a:lstStyle/>
           <a:p>
             <a:pPr eaLnBrk="1" hangingPunct="1"/>
-            <a:endParaRPr lang="en-US" smtClean="0"/>
+            <a:endParaRPr lang="en-US"/>
           </a:p>
         </p:txBody>
       </p:sp>
@@ -1047,7 +1047,7 @@
           <a:lstStyle/>
           <a:p>
             <a:pPr eaLnBrk="1" hangingPunct="1"/>
-            <a:endParaRPr lang="en-US" smtClean="0"/>
+            <a:endParaRPr lang="en-US"/>
           </a:p>
         </p:txBody>
       </p:sp>
@@ -1114,7 +1114,7 @@
           <a:lstStyle/>
           <a:p>
             <a:pPr eaLnBrk="1" hangingPunct="1"/>
-            <a:endParaRPr lang="en-US" smtClean="0"/>
+            <a:endParaRPr lang="en-US"/>
           </a:p>
         </p:txBody>
       </p:sp>
@@ -1181,7 +1181,7 @@
           <a:lstStyle/>
           <a:p>
             <a:pPr eaLnBrk="1" hangingPunct="1"/>
-            <a:endParaRPr lang="en-US" smtClean="0"/>
+            <a:endParaRPr lang="en-US"/>
           </a:p>
         </p:txBody>
       </p:sp>
@@ -1248,7 +1248,7 @@
           <a:lstStyle/>
           <a:p>
             <a:pPr eaLnBrk="1" hangingPunct="1"/>
-            <a:endParaRPr lang="en-US" smtClean="0"/>
+            <a:endParaRPr lang="en-US"/>
           </a:p>
         </p:txBody>
       </p:sp>
@@ -1707,7 +1707,7 @@
             </a:pPr>
             <a:fld id="{B5B52024-79AA-4062-8229-397D9E214550}" type="datetime1">
               <a:rPr lang="en-US" smtClean="0"/>
-              <a:t>11/25/2015</a:t>
+              <a:t>12/23/2016</a:t>
             </a:fld>
             <a:endParaRPr lang="en-US"/>
           </a:p>
@@ -1745,10 +1745,9 @@
               <a:defRPr/>
             </a:pPr>
             <a:r>
-              <a:rPr lang="en-US" dirty="0" smtClean="0"/>
+              <a:rPr lang="en-US" dirty="0"/>
               <a:t>TeamSTARS "tsWxGTUI_PyVx" Toolkit prepared &amp; presented by Richard S. Gordon</a:t>
             </a:r>
-            <a:endParaRPr lang="en-US" dirty="0"/>
           </a:p>
         </p:txBody>
       </p:sp>
@@ -1913,7 +1912,7 @@
             </a:pPr>
             <a:fld id="{5534B48B-48D4-4D1F-B98F-2ED8E1B04ED0}" type="datetime1">
               <a:rPr lang="en-US" smtClean="0"/>
-              <a:t>11/25/2015</a:t>
+              <a:t>12/23/2016</a:t>
             </a:fld>
             <a:endParaRPr lang="en-US"/>
           </a:p>
@@ -1944,10 +1943,9 @@
               <a:defRPr/>
             </a:pPr>
             <a:r>
-              <a:rPr lang="en-US" dirty="0" smtClean="0"/>
+              <a:rPr lang="en-US" dirty="0"/>
               <a:t>TeamSTARS "tsWxGTUI_PyVx" Toolkit prepared &amp; presented by Richard S. Gordon</a:t>
             </a:r>
-            <a:endParaRPr lang="en-US" dirty="0"/>
           </a:p>
         </p:txBody>
       </p:sp>
@@ -2115,7 +2113,7 @@
             </a:pPr>
             <a:fld id="{C3557E2B-7DD4-4DCF-9DDD-7786167218C6}" type="datetime1">
               <a:rPr lang="en-US" smtClean="0"/>
-              <a:t>11/25/2015</a:t>
+              <a:t>12/23/2016</a:t>
             </a:fld>
             <a:endParaRPr lang="en-US"/>
           </a:p>
@@ -2146,10 +2144,9 @@
               <a:defRPr/>
             </a:pPr>
             <a:r>
-              <a:rPr lang="en-US" dirty="0" smtClean="0"/>
+              <a:rPr lang="en-US" dirty="0"/>
               <a:t>TeamSTARS "tsWxGTUI_PyVx" Toolkit prepared &amp; presented by Richard S. Gordon</a:t>
             </a:r>
-            <a:endParaRPr lang="en-US" dirty="0"/>
           </a:p>
         </p:txBody>
       </p:sp>
@@ -2307,7 +2304,7 @@
             </a:pPr>
             <a:fld id="{65B11A62-63AA-4067-ACEB-AA6A42CE3A38}" type="datetime1">
               <a:rPr lang="en-US" smtClean="0"/>
-              <a:t>11/25/2015</a:t>
+              <a:t>12/23/2016</a:t>
             </a:fld>
             <a:endParaRPr lang="en-US"/>
           </a:p>
@@ -2338,10 +2335,9 @@
               <a:defRPr/>
             </a:pPr>
             <a:r>
-              <a:rPr lang="en-US" dirty="0" smtClean="0"/>
+              <a:rPr lang="en-US" dirty="0"/>
               <a:t>TeamSTARS "tsWxGTUI_PyVx" Toolkit prepared &amp; presented by Richard S. Gordon</a:t>
             </a:r>
-            <a:endParaRPr lang="en-US" dirty="0"/>
           </a:p>
         </p:txBody>
       </p:sp>
@@ -2522,7 +2518,7 @@
             </a:pPr>
             <a:fld id="{013FB6F9-CFEF-47AA-A08B-D90CED01DE9A}" type="datetime1">
               <a:rPr lang="en-US" smtClean="0"/>
-              <a:t>11/25/2015</a:t>
+              <a:t>12/23/2016</a:t>
             </a:fld>
             <a:endParaRPr lang="en-US"/>
           </a:p>
@@ -2553,10 +2549,9 @@
               <a:defRPr/>
             </a:pPr>
             <a:r>
-              <a:rPr lang="en-US" dirty="0" smtClean="0"/>
+              <a:rPr lang="en-US" dirty="0"/>
               <a:t>TeamSTARS "tsWxGTUI_PyVx" Toolkit prepared &amp; presented by Richard S. Gordon</a:t>
             </a:r>
-            <a:endParaRPr lang="en-US" dirty="0"/>
           </a:p>
         </p:txBody>
       </p:sp>
@@ -2831,7 +2826,7 @@
             </a:pPr>
             <a:fld id="{44D06F95-D493-494F-B0EB-3EDFAA385886}" type="datetime1">
               <a:rPr lang="en-US" smtClean="0"/>
-              <a:t>11/25/2015</a:t>
+              <a:t>12/23/2016</a:t>
             </a:fld>
             <a:endParaRPr lang="en-US"/>
           </a:p>
@@ -2862,10 +2857,9 @@
               <a:defRPr/>
             </a:pPr>
             <a:r>
-              <a:rPr lang="en-US" dirty="0" smtClean="0"/>
+              <a:rPr lang="en-US" dirty="0"/>
               <a:t>TeamSTARS "tsWxGTUI_PyVx" Toolkit prepared &amp; presented by Richard S. Gordon</a:t>
             </a:r>
-            <a:endParaRPr lang="en-US" dirty="0"/>
           </a:p>
         </p:txBody>
       </p:sp>
@@ -3279,7 +3273,7 @@
             </a:pPr>
             <a:fld id="{26FA81D3-96E1-4758-9306-72CE9F6E2F25}" type="datetime1">
               <a:rPr lang="en-US" smtClean="0"/>
-              <a:t>11/25/2015</a:t>
+              <a:t>12/23/2016</a:t>
             </a:fld>
             <a:endParaRPr lang="en-US"/>
           </a:p>
@@ -3310,10 +3304,9 @@
               <a:defRPr/>
             </a:pPr>
             <a:r>
-              <a:rPr lang="en-US" dirty="0" smtClean="0"/>
+              <a:rPr lang="en-US" dirty="0"/>
               <a:t>TeamSTARS "tsWxGTUI_PyVx" Toolkit prepared &amp; presented by Richard S. Gordon</a:t>
             </a:r>
-            <a:endParaRPr lang="en-US" dirty="0"/>
           </a:p>
         </p:txBody>
       </p:sp>
@@ -3420,7 +3413,7 @@
             </a:pPr>
             <a:fld id="{C22C02A3-FDB2-4B02-8110-311DDD8475C2}" type="datetime1">
               <a:rPr lang="en-US" smtClean="0"/>
-              <a:t>11/25/2015</a:t>
+              <a:t>12/23/2016</a:t>
             </a:fld>
             <a:endParaRPr lang="en-US"/>
           </a:p>
@@ -3451,10 +3444,9 @@
               <a:defRPr/>
             </a:pPr>
             <a:r>
-              <a:rPr lang="en-US" dirty="0" smtClean="0"/>
+              <a:rPr lang="en-US" dirty="0"/>
               <a:t>TeamSTARS "tsWxGTUI_PyVx" Toolkit prepared &amp; presented by Richard S. Gordon</a:t>
             </a:r>
-            <a:endParaRPr lang="en-US" dirty="0"/>
           </a:p>
         </p:txBody>
       </p:sp>
@@ -3537,7 +3529,7 @@
             </a:pPr>
             <a:fld id="{FB277746-3C8E-4161-A66B-B97D4FD5213A}" type="datetime1">
               <a:rPr lang="en-US" smtClean="0"/>
-              <a:t>11/25/2015</a:t>
+              <a:t>12/23/2016</a:t>
             </a:fld>
             <a:endParaRPr lang="en-US"/>
           </a:p>
@@ -3831,7 +3823,7 @@
             </a:pPr>
             <a:fld id="{86B778C6-FEB5-4910-BBA7-BBA76466D3B2}" type="datetime1">
               <a:rPr lang="en-US" smtClean="0"/>
-              <a:t>11/25/2015</a:t>
+              <a:t>12/23/2016</a:t>
             </a:fld>
             <a:endParaRPr lang="en-US"/>
           </a:p>
@@ -3862,10 +3854,9 @@
               <a:defRPr/>
             </a:pPr>
             <a:r>
-              <a:rPr lang="en-US" dirty="0" smtClean="0"/>
+              <a:rPr lang="en-US" dirty="0"/>
               <a:t>TeamSTARS "tsWxGTUI_PyVx" Toolkit prepared &amp; presented by Richard S. Gordon</a:t>
             </a:r>
-            <a:endParaRPr lang="en-US" dirty="0"/>
           </a:p>
         </p:txBody>
       </p:sp>
@@ -4108,7 +4099,7 @@
             </a:pPr>
             <a:fld id="{7A68BEE5-7335-4799-9F53-F65CFD274630}" type="datetime1">
               <a:rPr lang="en-US" smtClean="0"/>
-              <a:t>11/25/2015</a:t>
+              <a:t>12/23/2016</a:t>
             </a:fld>
             <a:endParaRPr lang="en-US"/>
           </a:p>
@@ -4139,10 +4130,9 @@
               <a:defRPr/>
             </a:pPr>
             <a:r>
-              <a:rPr lang="en-US" dirty="0" smtClean="0"/>
+              <a:rPr lang="en-US" dirty="0"/>
               <a:t>TeamSTARS "tsWxGTUI_PyVx" Toolkit prepared &amp; presented by Richard S. Gordon</a:t>
             </a:r>
-            <a:endParaRPr lang="en-US" dirty="0"/>
           </a:p>
         </p:txBody>
       </p:sp>
@@ -4522,7 +4512,7 @@
           <a:p>
             <a:pPr lvl="0"/>
             <a:r>
-              <a:rPr lang="en-US" smtClean="0"/>
+              <a:rPr lang="en-US"/>
               <a:t>Click to edit Master title style</a:t>
             </a:r>
           </a:p>
@@ -4564,35 +4554,35 @@
           <a:p>
             <a:pPr lvl="0"/>
             <a:r>
-              <a:rPr lang="en-US" smtClean="0"/>
+              <a:rPr lang="en-US"/>
               <a:t>Click to edit Master text styles</a:t>
             </a:r>
           </a:p>
           <a:p>
             <a:pPr lvl="1"/>
             <a:r>
-              <a:rPr lang="en-US" smtClean="0"/>
+              <a:rPr lang="en-US"/>
               <a:t>Second level</a:t>
             </a:r>
           </a:p>
           <a:p>
             <a:pPr lvl="2"/>
             <a:r>
-              <a:rPr lang="en-US" smtClean="0"/>
+              <a:rPr lang="en-US"/>
               <a:t>Third level</a:t>
             </a:r>
           </a:p>
           <a:p>
             <a:pPr lvl="3"/>
             <a:r>
-              <a:rPr lang="en-US" smtClean="0"/>
+              <a:rPr lang="en-US"/>
               <a:t>Fourth level</a:t>
             </a:r>
           </a:p>
           <a:p>
             <a:pPr lvl="4"/>
             <a:r>
-              <a:rPr lang="en-US" smtClean="0"/>
+              <a:rPr lang="en-US"/>
               <a:t>Fifth level</a:t>
             </a:r>
           </a:p>
@@ -4642,7 +4632,7 @@
             </a:pPr>
             <a:fld id="{45A933D1-86C7-45FF-B83F-CA5ED825AD11}" type="datetime1">
               <a:rPr lang="en-US" smtClean="0"/>
-              <a:t>11/25/2015</a:t>
+              <a:t>12/23/2016</a:t>
             </a:fld>
             <a:endParaRPr lang="en-US"/>
           </a:p>
@@ -4691,10 +4681,9 @@
               <a:defRPr/>
             </a:pPr>
             <a:r>
-              <a:rPr lang="en-US" dirty="0" smtClean="0"/>
+              <a:rPr lang="en-US" dirty="0"/>
               <a:t>TeamSTARS "tsWxGTUI_PyVx" Toolkit prepared &amp; presented by Richard S. Gordon</a:t>
             </a:r>
-            <a:endParaRPr lang="en-US" dirty="0"/>
           </a:p>
         </p:txBody>
       </p:sp>
@@ -5226,10 +5215,9 @@
           <a:lstStyle/>
           <a:p>
             <a:r>
-              <a:rPr lang="en-US" sz="4000" dirty="0" smtClean="0"/>
+              <a:rPr lang="en-US" sz="4000" dirty="0"/>
               <a:t>UseCase_3_Sample_Platform_Configurations</a:t>
             </a:r>
-            <a:endParaRPr lang="en-US" sz="4000" dirty="0"/>
           </a:p>
         </p:txBody>
       </p:sp>
@@ -5252,14 +5240,14 @@
               <a:buFont typeface="Wingdings" pitchFamily="2" charset="2"/>
               <a:buNone/>
             </a:pPr>
-            <a:endParaRPr lang="en-US" sz="2800" smtClean="0"/>
+            <a:endParaRPr lang="en-US" sz="2800"/>
           </a:p>
           <a:p>
             <a:pPr marL="0" indent="0" algn="ctr" eaLnBrk="1" hangingPunct="1">
               <a:buFont typeface="Wingdings" pitchFamily="2" charset="2"/>
               <a:buNone/>
             </a:pPr>
-            <a:endParaRPr lang="en-US" sz="2800" smtClean="0"/>
+            <a:endParaRPr lang="en-US" sz="2800"/>
           </a:p>
         </p:txBody>
       </p:sp>
@@ -5282,9 +5270,9 @@
           <a:p>
             <a:fld id="{878D0E70-D567-4EAD-BEEC-D30EFDF84A73}" type="datetime1">
               <a:rPr lang="en-US" smtClean="0"/>
-              <a:t>11/25/2015</a:t>
+              <a:t>12/23/2016</a:t>
             </a:fld>
-            <a:endParaRPr lang="en-US" smtClean="0"/>
+            <a:endParaRPr lang="en-US"/>
           </a:p>
         </p:txBody>
       </p:sp>
@@ -5340,34 +5328,32 @@
       </p:sp>
       <p:pic>
         <p:nvPicPr>
-          <p:cNvPr id="6151" name="Picture 5" descr="tsWxGTUI_PyVx Masthead"/>
+          <p:cNvPr id="3" name="Picture 2"/>
           <p:cNvPicPr>
-            <a:picLocks noChangeAspect="1" noChangeArrowheads="1"/>
+            <a:picLocks noChangeAspect="1"/>
           </p:cNvPicPr>
           <p:nvPr/>
         </p:nvPicPr>
         <p:blipFill>
-          <a:blip r:embed="rId3"/>
-          <a:srcRect/>
+          <a:blip r:embed="rId3">
+            <a:extLst>
+              <a:ext uri="{28A0092B-C50C-407E-A947-70E740481C1C}">
+                <a14:useLocalDpi xmlns:a14="http://schemas.microsoft.com/office/drawing/2010/main" val="0"/>
+              </a:ext>
+            </a:extLst>
+          </a:blip>
           <a:stretch>
             <a:fillRect/>
           </a:stretch>
         </p:blipFill>
-        <p:spPr bwMode="auto">
+        <p:spPr>
           <a:xfrm>
-            <a:off x="1524000" y="2195513"/>
-            <a:ext cx="9196388" cy="2259012"/>
+            <a:off x="609600" y="2419349"/>
+            <a:ext cx="11008659" cy="3499004"/>
           </a:xfrm>
           <a:prstGeom prst="rect">
             <a:avLst/>
           </a:prstGeom>
-          <a:noFill/>
-          <a:ln w="9525">
-            <a:noFill/>
-            <a:miter lim="800000"/>
-            <a:headEnd/>
-            <a:tailEnd/>
-          </a:ln>
         </p:spPr>
       </p:pic>
     </p:spTree>
@@ -5376,13 +5362,6 @@
     <a:masterClrMapping/>
   </p:clrMapOvr>
   <p:transition/>
-  <p:timing>
-    <p:tnLst>
-      <p:par>
-        <p:cTn id="1" dur="indefinite" restart="never" nodeType="tmRoot"/>
-      </p:par>
-    </p:tnLst>
-  </p:timing>
 </p:sld>
 </file>
 
@@ -5420,23 +5399,23 @@
           <a:p>
             <a:pPr eaLnBrk="1" hangingPunct="1"/>
             <a:r>
-              <a:rPr lang="en-US" dirty="0" smtClean="0"/>
+              <a:rPr lang="en-US" dirty="0"/>
               <a:t>Table of Contents </a:t>
             </a:r>
             <a:r>
-              <a:rPr lang="en-US" sz="2000" dirty="0" smtClean="0"/>
+              <a:rPr lang="en-US" sz="2000" dirty="0"/>
               <a:t>(</a:t>
             </a:r>
             <a:r>
-              <a:rPr lang="en-US" sz="2000" i="1" dirty="0" smtClean="0"/>
+              <a:rPr lang="en-US" sz="2000" i="1" dirty="0"/>
               <a:t>with slide show</a:t>
             </a:r>
             <a:r>
-              <a:rPr lang="en-US" sz="2000" dirty="0" smtClean="0"/>
+              <a:rPr lang="en-US" sz="2000" dirty="0"/>
               <a:t> </a:t>
             </a:r>
             <a:r>
-              <a:rPr lang="en-US" sz="2000" u="sng" dirty="0" smtClean="0">
+              <a:rPr lang="en-US" sz="2000" u="sng" dirty="0">
                 <a:solidFill>
                   <a:srgbClr val="FF0000"/>
                 </a:solidFill>
@@ -5444,7 +5423,7 @@
               <a:t>Hyperlinks</a:t>
             </a:r>
             <a:r>
-              <a:rPr lang="en-US" sz="2000" dirty="0" smtClean="0"/>
+              <a:rPr lang="en-US" sz="2000" dirty="0"/>
               <a:t>)</a:t>
             </a:r>
           </a:p>
@@ -5552,16 +5531,10 @@
               </a:lnSpc>
             </a:pPr>
             <a:r>
-              <a:rPr lang="en-US" sz="1400" dirty="0" smtClean="0">
-                <a:hlinkClick r:id="rId3" action="ppaction://hlinksldjump"/>
-              </a:rPr>
-              <a:t>Budget Development Laptop and </a:t>
-            </a:r>
-            <a:r>
               <a:rPr lang="en-US" sz="1400" dirty="0">
                 <a:hlinkClick r:id="rId3" action="ppaction://hlinksldjump"/>
               </a:rPr>
-              <a:t>Pseudo “Embedded” System</a:t>
+              <a:t>Budget Development Laptop and Pseudo “Embedded” System</a:t>
             </a:r>
             <a:endParaRPr lang="en-US" sz="1400" dirty="0"/>
           </a:p>
@@ -5583,16 +5556,10 @@
               </a:lnSpc>
             </a:pPr>
             <a:r>
-              <a:rPr lang="en-US" sz="1400" dirty="0" smtClean="0">
-                <a:hlinkClick r:id="rId4" action="ppaction://hlinksldjump"/>
-              </a:rPr>
-              <a:t>Professional Development Laptop and </a:t>
-            </a:r>
-            <a:r>
               <a:rPr lang="en-US" sz="1400" dirty="0">
                 <a:hlinkClick r:id="rId4" action="ppaction://hlinksldjump"/>
               </a:rPr>
-              <a:t>Guest “Embedded” System</a:t>
+              <a:t>Professional Development Laptop and Guest “Embedded” System</a:t>
             </a:r>
             <a:endParaRPr lang="en-US" sz="1400" dirty="0"/>
           </a:p>
@@ -5615,16 +5582,10 @@
               </a:lnSpc>
             </a:pPr>
             <a:r>
-              <a:rPr lang="en-US" sz="1400" dirty="0" smtClean="0">
-                <a:hlinkClick r:id="rId5" action="ppaction://hlinksldjump"/>
-              </a:rPr>
-              <a:t>Professional Development Workstation and </a:t>
-            </a:r>
-            <a:r>
               <a:rPr lang="en-US" sz="1400" dirty="0">
                 <a:hlinkClick r:id="rId5" action="ppaction://hlinksldjump"/>
               </a:rPr>
-              <a:t>Guest “Embedded” Systems</a:t>
+              <a:t>Professional Development Workstation and Guest “Embedded” Systems</a:t>
             </a:r>
             <a:endParaRPr lang="en-US" sz="1400" dirty="0"/>
           </a:p>
@@ -5636,13 +5597,8 @@
             </a:pPr>
             <a:r>
               <a:rPr lang="en-US" sz="1200" dirty="0"/>
-              <a:t>Platform with additional resources: quad-core processor with sufficient horse-power (relatively fast processor clock and data bus access speed) and memory capacity to concurrently support Host, Hypervisor(s) and multiple Guest Operating Systems with both command line and graphical user interfaces</a:t>
-            </a:r>
-            <a:r>
-              <a:rPr lang="en-US" sz="1200" dirty="0" smtClean="0"/>
-              <a:t>.</a:t>
-            </a:r>
-            <a:endParaRPr lang="en-US" sz="1200" dirty="0"/>
+              <a:t>Platform with additional resources: quad-core processor with sufficient horse-power (relatively fast processor clock and data bus access speed) and memory capacity to concurrently support Host, Hypervisor(s) and multiple Guest Operating Systems with both command line and graphical user interfaces.</a:t>
+            </a:r>
           </a:p>
         </p:txBody>
       </p:sp>
@@ -5665,9 +5621,9 @@
           <a:p>
             <a:fld id="{594743C1-DE31-4E12-9F9F-1BA9DE6E7B96}" type="datetime1">
               <a:rPr lang="en-US" smtClean="0"/>
-              <a:t>11/25/2015</a:t>
+              <a:t>12/23/2016</a:t>
             </a:fld>
-            <a:endParaRPr lang="en-US" smtClean="0"/>
+            <a:endParaRPr lang="en-US"/>
           </a:p>
         </p:txBody>
       </p:sp>
@@ -5727,13 +5683,6 @@
     <a:masterClrMapping/>
   </p:clrMapOvr>
   <p:transition/>
-  <p:timing>
-    <p:tnLst>
-      <p:par>
-        <p:cTn id="1" dur="indefinite" restart="never" nodeType="tmRoot"/>
-      </p:par>
-    </p:tnLst>
-  </p:timing>
 </p:sld>
 </file>
 
@@ -5773,9 +5722,9 @@
           <a:p>
             <a:fld id="{780AC770-591B-46CD-918F-F04F5DAD2833}" type="datetime1">
               <a:rPr lang="en-US" smtClean="0"/>
-              <a:t>11/25/2015</a:t>
+              <a:t>12/23/2016</a:t>
             </a:fld>
-            <a:endParaRPr lang="en-US" smtClean="0"/>
+            <a:endParaRPr lang="en-US"/>
           </a:p>
         </p:txBody>
       </p:sp>
@@ -5797,7 +5746,7 @@
           <a:lstStyle/>
           <a:p>
             <a:r>
-              <a:rPr lang="en-US" dirty="0" smtClean="0"/>
+              <a:rPr lang="en-US" dirty="0"/>
               <a:t>TeamSTARS "tsWxGTUI_PyVx" Toolkit prepared &amp; presented by Richard S. Gordon</a:t>
             </a:r>
           </a:p>
@@ -5847,33 +5796,23 @@
             <a:pPr eaLnBrk="1" hangingPunct="1"/>
             <a:r>
               <a:rPr lang="en-US" dirty="0"/>
-              <a:t>Hypervisor Virtual </a:t>
-            </a:r>
-            <a:r>
-              <a:rPr lang="en-US" dirty="0" smtClean="0"/>
-              <a:t>Machines </a:t>
-            </a:r>
-            <a:r>
-              <a:rPr lang="en-US" sz="2000" dirty="0" smtClean="0"/>
+              <a:t>Hypervisor Virtual Machines </a:t>
+            </a:r>
+            <a:r>
+              <a:rPr lang="en-US" sz="2000" dirty="0"/>
               <a:t>(</a:t>
-            </a:r>
-            <a:r>
-              <a:rPr lang="en-US" sz="2000" dirty="0" smtClean="0">
-                <a:hlinkClick r:id="rId3" action="ppaction://hlinksldjump"/>
-              </a:rPr>
-              <a:t>Table </a:t>
             </a:r>
             <a:r>
               <a:rPr lang="en-US" sz="2000" dirty="0">
                 <a:hlinkClick r:id="rId3" action="ppaction://hlinksldjump"/>
               </a:rPr>
-              <a:t>of Contents</a:t>
-            </a:r>
-            <a:r>
-              <a:rPr lang="en-US" sz="2000" dirty="0" smtClean="0"/>
+              <a:t>Table of Contents</a:t>
+            </a:r>
+            <a:r>
+              <a:rPr lang="en-US" sz="2000" dirty="0"/>
               <a:t>)</a:t>
             </a:r>
-            <a:endParaRPr lang="en-US" sz="3200" dirty="0" smtClean="0"/>
+            <a:endParaRPr lang="en-US" sz="3200" dirty="0"/>
           </a:p>
         </p:txBody>
       </p:sp>
@@ -5898,40 +5837,32 @@
               </a:lnSpc>
             </a:pPr>
             <a:r>
-              <a:rPr lang="en-US" sz="1800" dirty="0" smtClean="0"/>
+              <a:rPr lang="en-US" sz="1800" dirty="0"/>
               <a:t>A </a:t>
             </a:r>
             <a:r>
-              <a:rPr lang="en-US" sz="1800" b="1" dirty="0" smtClean="0"/>
+              <a:rPr lang="en-US" sz="1800" b="1" dirty="0"/>
               <a:t>Hypervisor</a:t>
             </a:r>
             <a:r>
-              <a:rPr lang="en-US" sz="1800" dirty="0" smtClean="0"/>
+              <a:rPr lang="en-US" sz="1800" dirty="0"/>
               <a:t> or </a:t>
             </a:r>
             <a:r>
-              <a:rPr lang="en-US" sz="1800" b="1" dirty="0" smtClean="0"/>
+              <a:rPr lang="en-US" sz="1800" b="1" dirty="0"/>
               <a:t>Virtual Machine Monitor</a:t>
             </a:r>
             <a:r>
-              <a:rPr lang="en-US" sz="1800" dirty="0" smtClean="0"/>
+              <a:rPr lang="en-US" sz="1800" dirty="0"/>
               <a:t> (</a:t>
             </a:r>
             <a:r>
-              <a:rPr lang="en-US" sz="1800" b="1" dirty="0" smtClean="0"/>
+              <a:rPr lang="en-US" sz="1800" b="1" dirty="0"/>
               <a:t>VMM</a:t>
             </a:r>
             <a:r>
-              <a:rPr lang="en-US" sz="1800" dirty="0" smtClean="0"/>
-              <a:t>) is a piece of computer software, firmware or hardware that creates </a:t>
-            </a:r>
-            <a:r>
               <a:rPr lang="en-US" sz="1800" dirty="0"/>
-              <a:t>and runs virtual machines</a:t>
-            </a:r>
-            <a:r>
-              <a:rPr lang="en-US" sz="1800" dirty="0" smtClean="0"/>
-              <a:t>.</a:t>
+              <a:t>) is a piece of computer software, firmware or hardware that creates and runs virtual machines.</a:t>
             </a:r>
           </a:p>
           <a:p>
@@ -5941,32 +5872,8 @@
               </a:lnSpc>
             </a:pPr>
             <a:r>
-              <a:rPr lang="en-US" sz="1800" dirty="0" smtClean="0"/>
-              <a:t>A </a:t>
-            </a:r>
-            <a:r>
               <a:rPr lang="en-US" sz="1800" dirty="0"/>
-              <a:t>computer on which a </a:t>
-            </a:r>
-            <a:r>
-              <a:rPr lang="en-US" sz="1800" dirty="0" smtClean="0"/>
-              <a:t>Hypervisor is </a:t>
-            </a:r>
-            <a:r>
-              <a:rPr lang="en-US" sz="1800" dirty="0"/>
-              <a:t>running one or more </a:t>
-            </a:r>
-            <a:r>
-              <a:rPr lang="en-US" sz="1800" dirty="0" smtClean="0"/>
-              <a:t>Virtual Machines is </a:t>
-            </a:r>
-            <a:r>
-              <a:rPr lang="en-US" sz="1800" dirty="0"/>
-              <a:t>defined as a </a:t>
-            </a:r>
-            <a:r>
-              <a:rPr lang="en-US" sz="1800" dirty="0" smtClean="0"/>
-              <a:t>Host Machine. </a:t>
+              <a:t>A computer on which a Hypervisor is running one or more Virtual Machines is defined as a Host Machine. </a:t>
             </a:r>
           </a:p>
           <a:p>
@@ -5976,16 +5883,8 @@
               </a:lnSpc>
             </a:pPr>
             <a:r>
-              <a:rPr lang="en-US" sz="1800" dirty="0" smtClean="0"/>
-              <a:t>Each Virtual Machine is </a:t>
-            </a:r>
-            <a:r>
               <a:rPr lang="en-US" sz="1800" dirty="0"/>
-              <a:t>called a </a:t>
-            </a:r>
-            <a:r>
-              <a:rPr lang="en-US" sz="1800" dirty="0" smtClean="0"/>
-              <a:t>Guest Machine. </a:t>
+              <a:t>Each Virtual Machine is called a Guest Machine. </a:t>
             </a:r>
           </a:p>
           <a:p>
@@ -5995,24 +5894,8 @@
               </a:lnSpc>
             </a:pPr>
             <a:r>
-              <a:rPr lang="en-US" sz="1800" dirty="0" smtClean="0"/>
-              <a:t>The Hypervisor presents </a:t>
-            </a:r>
-            <a:r>
               <a:rPr lang="en-US" sz="1800" dirty="0"/>
-              <a:t>the </a:t>
-            </a:r>
-            <a:r>
-              <a:rPr lang="en-US" sz="1800" dirty="0" smtClean="0"/>
-              <a:t>Guest Operating Systems </a:t>
-            </a:r>
-            <a:r>
-              <a:rPr lang="en-US" sz="1800" dirty="0"/>
-              <a:t>with a virtual operating platform and manages the execution of the </a:t>
-            </a:r>
-            <a:r>
-              <a:rPr lang="en-US" sz="1800" dirty="0" smtClean="0"/>
-              <a:t>Guest Operating Systems. </a:t>
+              <a:t>The Hypervisor presents the Guest Operating Systems with a virtual operating platform and manages the execution of the Guest Operating Systems. </a:t>
             </a:r>
           </a:p>
           <a:p>
@@ -6022,14 +5905,9 @@
               </a:lnSpc>
             </a:pPr>
             <a:r>
-              <a:rPr lang="en-US" sz="1800" dirty="0" smtClean="0"/>
-              <a:t>Multiple </a:t>
-            </a:r>
-            <a:r>
               <a:rPr lang="en-US" sz="1800" dirty="0"/>
-              <a:t>instances of a variety of operating systems may share the virtualized hardware resources.</a:t>
-            </a:r>
-            <a:endParaRPr lang="en-US" sz="1800" dirty="0" smtClean="0"/>
+              <a:t>Multiple instances of a variety of operating systems may share the virtualized hardware resources.</a:t>
+            </a:r>
           </a:p>
         </p:txBody>
       </p:sp>
@@ -6059,75 +5937,15 @@
             </a:r>
             <a:r>
               <a:rPr lang="en-US" sz="1800" dirty="0"/>
-              <a:t>by Parallels</a:t>
-            </a:r>
-            <a:r>
-              <a:rPr lang="en-US" sz="1800" dirty="0" smtClean="0"/>
-              <a:t>, and </a:t>
+              <a:t>by Parallels, and </a:t>
             </a:r>
             <a:r>
               <a:rPr lang="en-US" sz="1800" b="1" dirty="0"/>
-              <a:t>VMware </a:t>
-            </a:r>
-            <a:r>
-              <a:rPr lang="en-US" sz="1800" b="1" dirty="0" smtClean="0"/>
-              <a:t>Fusion, </a:t>
+              <a:t>VMware Fusion, </a:t>
             </a:r>
             <a:r>
               <a:rPr lang="en-US" sz="1800" dirty="0"/>
-              <a:t>by VMware</a:t>
-            </a:r>
-            <a:r>
-              <a:rPr lang="en-US" sz="1800" dirty="0" smtClean="0"/>
-              <a:t> are Hypervisors that provides </a:t>
-            </a:r>
-            <a:r>
-              <a:rPr lang="en-US" sz="1800" dirty="0"/>
-              <a:t>hardware virtualization </a:t>
-            </a:r>
-            <a:r>
-              <a:rPr lang="en-US" sz="1800" dirty="0" smtClean="0"/>
-              <a:t>only for </a:t>
-            </a:r>
-            <a:r>
-              <a:rPr lang="en-US" sz="1800" dirty="0"/>
-              <a:t>Macintosh </a:t>
-            </a:r>
-            <a:r>
-              <a:rPr lang="en-US" sz="1800" dirty="0" smtClean="0"/>
-              <a:t>Host computers with </a:t>
-            </a:r>
-            <a:r>
-              <a:rPr lang="en-US" sz="1800" dirty="0"/>
-              <a:t>Intel </a:t>
-            </a:r>
-            <a:r>
-              <a:rPr lang="en-US" sz="1800" dirty="0" smtClean="0"/>
-              <a:t>x86 or x64 processors that are running Mac OS X.</a:t>
-            </a:r>
-            <a:r>
-              <a:rPr lang="en-US" sz="1800" dirty="0"/>
-              <a:t> Each </a:t>
-            </a:r>
-            <a:r>
-              <a:rPr lang="en-US" sz="1800" dirty="0" smtClean="0"/>
-              <a:t>Virtual Machine </a:t>
-            </a:r>
-            <a:r>
-              <a:rPr lang="en-US" sz="1800" dirty="0"/>
-              <a:t>can execute its own operating system, including versions of Microsoft Windows, Linux, </a:t>
-            </a:r>
-            <a:r>
-              <a:rPr lang="en-US" sz="1800" dirty="0" smtClean="0"/>
-              <a:t>BSD Unix, </a:t>
-            </a:r>
-            <a:r>
-              <a:rPr lang="en-US" sz="1800" dirty="0"/>
-              <a:t>and </a:t>
-            </a:r>
-            <a:r>
-              <a:rPr lang="en-US" sz="1800" dirty="0" smtClean="0"/>
-              <a:t>MS-DOS.</a:t>
+              <a:t>by VMware are Hypervisors that provides hardware virtualization only for Macintosh Host computers with Intel x86 or x64 processors that are running Mac OS X. Each Virtual Machine can execute its own operating system, including versions of Microsoft Windows, Linux, BSD Unix, and MS-DOS.</a:t>
             </a:r>
           </a:p>
           <a:p>
@@ -6137,52 +5955,12 @@
               </a:lnSpc>
             </a:pPr>
             <a:r>
-              <a:rPr lang="en-US" sz="1800" b="1" dirty="0" smtClean="0"/>
+              <a:rPr lang="en-US" sz="1800" b="1" dirty="0"/>
               <a:t>VMware Workstation, </a:t>
             </a:r>
             <a:r>
-              <a:rPr lang="en-US" sz="1800" dirty="0" smtClean="0"/>
-              <a:t>by VMware, </a:t>
-            </a:r>
-            <a:r>
               <a:rPr lang="en-US" sz="1800" dirty="0"/>
-              <a:t>is a </a:t>
-            </a:r>
-            <a:r>
-              <a:rPr lang="en-US" sz="1800" dirty="0" smtClean="0"/>
-              <a:t>Hypervisor that </a:t>
-            </a:r>
-            <a:r>
-              <a:rPr lang="en-US" sz="1800" dirty="0"/>
-              <a:t>runs on x64 </a:t>
-            </a:r>
-            <a:r>
-              <a:rPr lang="en-US" sz="1800" dirty="0" smtClean="0"/>
-              <a:t>Host computers </a:t>
-            </a:r>
-            <a:r>
-              <a:rPr lang="en-US" sz="1800" dirty="0"/>
-              <a:t>(an x86 version of earlier releases was available</a:t>
-            </a:r>
-            <a:r>
-              <a:rPr lang="en-US" sz="1800" dirty="0" smtClean="0"/>
-              <a:t>) running Linux or Microsoft Windows. Each Virtual Machine can </a:t>
-            </a:r>
-            <a:r>
-              <a:rPr lang="en-US" sz="1800" dirty="0"/>
-              <a:t>execute its own operating system, including versions of Microsoft Windows, Linux, </a:t>
-            </a:r>
-            <a:r>
-              <a:rPr lang="en-US" sz="1800" dirty="0" smtClean="0"/>
-              <a:t>BSD Unix, </a:t>
-            </a:r>
-            <a:r>
-              <a:rPr lang="en-US" sz="1800" dirty="0"/>
-              <a:t>and </a:t>
-            </a:r>
-            <a:r>
-              <a:rPr lang="en-US" sz="1800" dirty="0" smtClean="0"/>
-              <a:t>MS-DOS.</a:t>
+              <a:t>by VMware, is a Hypervisor that runs on x64 Host computers (an x86 version of earlier releases was available) running Linux or Microsoft Windows. Each Virtual Machine can execute its own operating system, including versions of Microsoft Windows, Linux, BSD Unix, and MS-DOS.</a:t>
             </a:r>
           </a:p>
         </p:txBody>
@@ -6197,13 +5975,6 @@
   <p:clrMapOvr>
     <a:masterClrMapping/>
   </p:clrMapOvr>
-  <p:timing>
-    <p:tnLst>
-      <p:par>
-        <p:cTn id="1" dur="indefinite" restart="never" nodeType="tmRoot"/>
-      </p:par>
-    </p:tnLst>
-  </p:timing>
 </p:sld>
 </file>
 
@@ -6243,9 +6014,9 @@
           <a:p>
             <a:fld id="{746E36C7-6127-4BA9-BED8-EAC455FFBE59}" type="datetime1">
               <a:rPr lang="en-US" smtClean="0"/>
-              <a:t>11/25/2015</a:t>
+              <a:t>12/23/2016</a:t>
             </a:fld>
-            <a:endParaRPr lang="en-US" smtClean="0"/>
+            <a:endParaRPr lang="en-US"/>
           </a:p>
         </p:txBody>
       </p:sp>
@@ -6267,7 +6038,7 @@
           <a:lstStyle/>
           <a:p>
             <a:r>
-              <a:rPr lang="en-US" dirty="0" smtClean="0"/>
+              <a:rPr lang="en-US" dirty="0"/>
               <a:t>TeamSTARS "tsWxGTUI_PyVx" Toolkit prepared &amp; presented by Richard S. Gordon</a:t>
             </a:r>
           </a:p>
@@ -6316,38 +6087,24 @@
           <a:p>
             <a:pPr eaLnBrk="1" hangingPunct="1"/>
             <a:r>
-              <a:rPr lang="en-US" dirty="0" smtClean="0"/>
-              <a:t>Budget Development Laptop and </a:t>
-            </a:r>
-            <a:r>
               <a:rPr lang="en-US" dirty="0"/>
-              <a:t>Pseudo “Embedded” </a:t>
-            </a:r>
-            <a:r>
-              <a:rPr lang="en-US" dirty="0" smtClean="0"/>
-              <a:t>System </a:t>
-            </a:r>
-            <a:r>
-              <a:rPr lang="en-US" sz="2000" dirty="0" smtClean="0"/>
+              <a:t>Budget Development Laptop and Pseudo “Embedded” System </a:t>
+            </a:r>
+            <a:r>
+              <a:rPr lang="en-US" sz="2000" dirty="0"/>
               <a:t>(</a:t>
-            </a:r>
-            <a:r>
-              <a:rPr lang="en-US" sz="2000" dirty="0" smtClean="0">
-                <a:hlinkClick r:id="rId3" action="ppaction://hlinksldjump"/>
-              </a:rPr>
-              <a:t>Table </a:t>
             </a:r>
             <a:r>
               <a:rPr lang="en-US" sz="2000" dirty="0">
                 <a:hlinkClick r:id="rId3" action="ppaction://hlinksldjump"/>
               </a:rPr>
-              <a:t>of Contents</a:t>
+              <a:t>Table of Contents</a:t>
             </a:r>
             <a:r>
               <a:rPr lang="en-US" sz="2000" dirty="0"/>
               <a:t>) </a:t>
             </a:r>
-            <a:endParaRPr lang="en-US" sz="2800" dirty="0" smtClean="0"/>
+            <a:endParaRPr lang="en-US" sz="2800" dirty="0"/>
           </a:p>
         </p:txBody>
       </p:sp>
@@ -6372,7 +6129,7 @@
               </a:lnSpc>
             </a:pPr>
             <a:r>
-              <a:rPr lang="en-US" sz="2000" b="1" smtClean="0"/>
+              <a:rPr lang="en-US" sz="2000" b="1"/>
               <a:t>1998 Dell Inspiron 7000 Hardware</a:t>
             </a:r>
           </a:p>
@@ -6383,15 +6140,15 @@
               </a:lnSpc>
             </a:pPr>
             <a:r>
-              <a:rPr lang="en-US" sz="1800" smtClean="0"/>
+              <a:rPr lang="en-US" sz="1800"/>
               <a:t>366 MHz </a:t>
             </a:r>
             <a:r>
-              <a:rPr lang="en-US" sz="1800" b="1" smtClean="0"/>
+              <a:rPr lang="en-US" sz="1800" b="1"/>
               <a:t>Intel Pentium II</a:t>
             </a:r>
             <a:r>
-              <a:rPr lang="en-US" sz="1800" smtClean="0"/>
+              <a:rPr lang="en-US" sz="1800"/>
               <a:t> processor</a:t>
             </a:r>
           </a:p>
@@ -6402,7 +6159,7 @@
               </a:lnSpc>
             </a:pPr>
             <a:r>
-              <a:rPr lang="en-US" sz="1800" smtClean="0"/>
+              <a:rPr lang="en-US" sz="1800"/>
               <a:t>384 MB RAM</a:t>
             </a:r>
           </a:p>
@@ -6413,23 +6170,23 @@
               </a:lnSpc>
             </a:pPr>
             <a:r>
-              <a:rPr lang="en-US" sz="1800" smtClean="0"/>
+              <a:rPr lang="en-US" sz="1800"/>
               <a:t>15.6” </a:t>
             </a:r>
             <a:r>
-              <a:rPr lang="en-US" sz="1800" b="1" smtClean="0"/>
+              <a:rPr lang="en-US" sz="1800" b="1"/>
               <a:t>VGA</a:t>
             </a:r>
             <a:r>
-              <a:rPr lang="en-US" sz="1800" smtClean="0"/>
+              <a:rPr lang="en-US" sz="1800"/>
               <a:t> (640x480) / </a:t>
             </a:r>
             <a:r>
-              <a:rPr lang="en-US" sz="1800" b="1" smtClean="0"/>
+              <a:rPr lang="en-US" sz="1800" b="1"/>
               <a:t>SVGA</a:t>
             </a:r>
             <a:r>
-              <a:rPr lang="en-US" sz="1800" smtClean="0"/>
+              <a:rPr lang="en-US" sz="1800"/>
               <a:t> (1024x768) pixel LCD display</a:t>
             </a:r>
           </a:p>
@@ -6440,7 +6197,7 @@
               </a:lnSpc>
             </a:pPr>
             <a:r>
-              <a:rPr lang="en-US" sz="1800" smtClean="0"/>
+              <a:rPr lang="en-US" sz="1800"/>
               <a:t>Two Interchangeable 32 GB (4200 RPM) ATA hard drives</a:t>
             </a:r>
           </a:p>
@@ -6451,10 +6208,10 @@
               </a:lnSpc>
             </a:pPr>
             <a:r>
-              <a:rPr lang="en-US" sz="1600" b="1" smtClean="0"/>
+              <a:rPr lang="en-US" sz="1600" b="1"/>
               <a:t>Microsoft Windows XP</a:t>
             </a:r>
-            <a:endParaRPr lang="en-US" sz="1600" smtClean="0"/>
+            <a:endParaRPr lang="en-US" sz="1600"/>
           </a:p>
           <a:p>
             <a:pPr lvl="2" eaLnBrk="1" hangingPunct="1">
@@ -6463,11 +6220,11 @@
               </a:lnSpc>
             </a:pPr>
             <a:r>
-              <a:rPr lang="en-US" sz="1600" b="1" smtClean="0"/>
+              <a:rPr lang="en-US" sz="1600" b="1"/>
               <a:t>Ubuntu Linux</a:t>
             </a:r>
             <a:r>
-              <a:rPr lang="en-US" sz="1600" smtClean="0"/>
+              <a:rPr lang="en-US" sz="1600"/>
               <a:t> 12.04 LTS</a:t>
             </a:r>
           </a:p>
@@ -6478,22 +6235,22 @@
               </a:lnSpc>
             </a:pPr>
             <a:r>
-              <a:rPr lang="en-US" sz="1800" b="1" smtClean="0"/>
+              <a:rPr lang="en-US" sz="1800" b="1"/>
               <a:t>Xircom</a:t>
             </a:r>
             <a:r>
-              <a:rPr lang="en-US" sz="1800" smtClean="0"/>
+              <a:rPr lang="en-US" sz="1800"/>
               <a:t> Ethernet and 3Com WiFi Wireless Plug-in Network adapters for </a:t>
             </a:r>
             <a:r>
-              <a:rPr lang="en-US" sz="1800" b="1" smtClean="0"/>
+              <a:rPr lang="en-US" sz="1800" b="1"/>
               <a:t>Microsoft Windows XP</a:t>
             </a:r>
             <a:r>
-              <a:rPr lang="en-US" sz="1800" smtClean="0"/>
+              <a:rPr lang="en-US" sz="1800"/>
               <a:t> </a:t>
             </a:r>
-            <a:endParaRPr lang="en-US" sz="1800" b="1" smtClean="0"/>
+            <a:endParaRPr lang="en-US" sz="1800" b="1"/>
           </a:p>
           <a:p>
             <a:pPr lvl="1" eaLnBrk="1" hangingPunct="1">
@@ -6502,19 +6259,19 @@
               </a:lnSpc>
             </a:pPr>
             <a:r>
-              <a:rPr lang="en-US" sz="1800" b="1" smtClean="0"/>
+              <a:rPr lang="en-US" sz="1800" b="1"/>
               <a:t>Linksys</a:t>
             </a:r>
             <a:r>
-              <a:rPr lang="en-US" sz="1800" smtClean="0"/>
+              <a:rPr lang="en-US" sz="1800"/>
               <a:t> WiFi Wireless Plug-in Network adapter for </a:t>
             </a:r>
             <a:r>
-              <a:rPr lang="en-US" sz="1800" b="1" smtClean="0"/>
+              <a:rPr lang="en-US" sz="1800" b="1"/>
               <a:t>Ubuntu Linux</a:t>
             </a:r>
             <a:r>
-              <a:rPr lang="en-US" sz="1800" smtClean="0"/>
+              <a:rPr lang="en-US" sz="1800"/>
               <a:t> 12.04 LTS</a:t>
             </a:r>
           </a:p>
@@ -6541,7 +6298,7 @@
               </a:lnSpc>
             </a:pPr>
             <a:r>
-              <a:rPr lang="en-US" sz="2000" b="1" dirty="0" smtClean="0"/>
+              <a:rPr lang="en-US" sz="2000" b="1" dirty="0"/>
               <a:t>Development / Pseudo (non-optimized) Embedded Software</a:t>
             </a:r>
           </a:p>
@@ -6552,7 +6309,7 @@
               </a:lnSpc>
             </a:pPr>
             <a:r>
-              <a:rPr lang="en-US" sz="1800" b="1" dirty="0" smtClean="0"/>
+              <a:rPr lang="en-US" sz="1800" b="1" dirty="0"/>
               <a:t>Microsoft Windows XP Configuration</a:t>
             </a:r>
           </a:p>
@@ -6563,7 +6320,7 @@
               </a:lnSpc>
             </a:pPr>
             <a:r>
-              <a:rPr lang="en-US" sz="1600" dirty="0" smtClean="0"/>
+              <a:rPr lang="en-US" sz="1600" dirty="0"/>
               <a:t>Cygwin 1.7 (includes various GNU, Linux &amp; Python components)</a:t>
             </a:r>
           </a:p>
@@ -6574,7 +6331,7 @@
               </a:lnSpc>
             </a:pPr>
             <a:r>
-              <a:rPr lang="en-US" sz="1600" dirty="0" smtClean="0"/>
+              <a:rPr lang="en-US" sz="1600" dirty="0"/>
               <a:t>Office 2002</a:t>
             </a:r>
           </a:p>
@@ -6585,7 +6342,7 @@
               </a:lnSpc>
             </a:pPr>
             <a:r>
-              <a:rPr lang="en-US" sz="1600" dirty="0" err="1" smtClean="0"/>
+              <a:rPr lang="en-US" sz="1600" dirty="0" err="1"/>
               <a:t>XEmacs</a:t>
             </a:r>
             <a:endParaRPr lang="en-US" sz="1600" dirty="0"/>
@@ -6597,16 +6354,8 @@
               </a:lnSpc>
             </a:pPr>
             <a:r>
-              <a:rPr lang="en-US" sz="1600" dirty="0" smtClean="0"/>
-              <a:t>Python 2x </a:t>
-            </a:r>
-            <a:r>
               <a:rPr lang="en-US" sz="1600" dirty="0"/>
-              <a:t>&amp; </a:t>
-            </a:r>
-            <a:r>
-              <a:rPr lang="en-US" sz="1600" dirty="0" smtClean="0"/>
-              <a:t>3x</a:t>
+              <a:t>Python 2x &amp; 3x</a:t>
             </a:r>
           </a:p>
           <a:p>
@@ -6616,22 +6365,17 @@
               </a:lnSpc>
             </a:pPr>
             <a:r>
-              <a:rPr lang="en-US" sz="1800" b="1" dirty="0" smtClean="0"/>
+              <a:rPr lang="en-US" sz="1800" b="1" dirty="0"/>
               <a:t>Ubuntu Linux</a:t>
             </a:r>
             <a:r>
-              <a:rPr lang="en-US" sz="1800" dirty="0" smtClean="0"/>
+              <a:rPr lang="en-US" sz="1800" dirty="0"/>
               <a:t> </a:t>
             </a:r>
             <a:r>
-              <a:rPr lang="en-US" sz="1800" b="1" dirty="0" smtClean="0"/>
-              <a:t>12.04 </a:t>
-            </a:r>
-            <a:r>
               <a:rPr lang="en-US" sz="1800" b="1" dirty="0"/>
-              <a:t>LTS Configuration</a:t>
-            </a:r>
-            <a:endParaRPr lang="en-US" sz="1800" b="1" dirty="0" smtClean="0"/>
+              <a:t>12.04 LTS Configuration</a:t>
+            </a:r>
           </a:p>
           <a:p>
             <a:pPr lvl="2" eaLnBrk="1" hangingPunct="1">
@@ -6640,7 +6384,7 @@
               </a:lnSpc>
             </a:pPr>
             <a:r>
-              <a:rPr lang="en-US" sz="1600" dirty="0" smtClean="0"/>
+              <a:rPr lang="en-US" sz="1600" dirty="0"/>
               <a:t>GNOME Desktop</a:t>
             </a:r>
           </a:p>
@@ -6651,10 +6395,10 @@
               </a:lnSpc>
             </a:pPr>
             <a:r>
-              <a:rPr lang="en-US" sz="1600" dirty="0" err="1" smtClean="0"/>
+              <a:rPr lang="en-US" sz="1600" dirty="0" err="1"/>
               <a:t>LibraOffice</a:t>
             </a:r>
-            <a:endParaRPr lang="en-US" sz="1600" dirty="0" smtClean="0"/>
+            <a:endParaRPr lang="en-US" sz="1600" dirty="0"/>
           </a:p>
           <a:p>
             <a:pPr lvl="2" eaLnBrk="1" hangingPunct="1">
@@ -6663,10 +6407,10 @@
               </a:lnSpc>
             </a:pPr>
             <a:r>
-              <a:rPr lang="en-US" sz="1600" dirty="0" err="1" smtClean="0"/>
+              <a:rPr lang="en-US" sz="1600" dirty="0" err="1"/>
               <a:t>XEmacs</a:t>
             </a:r>
-            <a:endParaRPr lang="en-US" sz="1600" dirty="0" smtClean="0"/>
+            <a:endParaRPr lang="en-US" sz="1600" dirty="0"/>
           </a:p>
           <a:p>
             <a:pPr lvl="2" eaLnBrk="1" hangingPunct="1">
@@ -6675,7 +6419,7 @@
               </a:lnSpc>
             </a:pPr>
             <a:r>
-              <a:rPr lang="en-US" sz="1600" dirty="0" smtClean="0"/>
+              <a:rPr lang="en-US" sz="1600" dirty="0"/>
               <a:t>Python 2x &amp; 3x</a:t>
             </a:r>
           </a:p>
@@ -6691,13 +6435,6 @@
   <p:clrMapOvr>
     <a:masterClrMapping/>
   </p:clrMapOvr>
-  <p:timing>
-    <p:tnLst>
-      <p:par>
-        <p:cTn id="1" dur="indefinite" restart="never" nodeType="tmRoot"/>
-      </p:par>
-    </p:tnLst>
-  </p:timing>
 </p:sld>
 </file>
 
@@ -6737,9 +6474,9 @@
           <a:p>
             <a:fld id="{780AC770-591B-46CD-918F-F04F5DAD2833}" type="datetime1">
               <a:rPr lang="en-US" smtClean="0"/>
-              <a:t>11/25/2015</a:t>
+              <a:t>12/23/2016</a:t>
             </a:fld>
-            <a:endParaRPr lang="en-US" smtClean="0"/>
+            <a:endParaRPr lang="en-US"/>
           </a:p>
         </p:txBody>
       </p:sp>
@@ -6761,7 +6498,7 @@
           <a:lstStyle/>
           <a:p>
             <a:r>
-              <a:rPr lang="en-US" dirty="0" smtClean="0"/>
+              <a:rPr lang="en-US" dirty="0"/>
               <a:t>TeamSTARS "tsWxGTUI_PyVx" Toolkit prepared &amp; presented by Richard S. Gordon</a:t>
             </a:r>
           </a:p>
@@ -6810,38 +6547,24 @@
           <a:p>
             <a:pPr eaLnBrk="1" hangingPunct="1"/>
             <a:r>
-              <a:rPr lang="en-US" dirty="0" smtClean="0"/>
-              <a:t>Professional Development Laptop and </a:t>
-            </a:r>
-            <a:r>
               <a:rPr lang="en-US" dirty="0"/>
-              <a:t>Guest “Embedded” </a:t>
-            </a:r>
-            <a:r>
-              <a:rPr lang="en-US" dirty="0" smtClean="0"/>
-              <a:t>System </a:t>
-            </a:r>
-            <a:r>
-              <a:rPr lang="en-US" sz="2000" dirty="0" smtClean="0"/>
+              <a:t>Professional Development Laptop and Guest “Embedded” System </a:t>
+            </a:r>
+            <a:r>
+              <a:rPr lang="en-US" sz="2000" dirty="0"/>
               <a:t>(</a:t>
-            </a:r>
-            <a:r>
-              <a:rPr lang="en-US" sz="2000" dirty="0" smtClean="0">
-                <a:hlinkClick r:id="rId3" action="ppaction://hlinksldjump"/>
-              </a:rPr>
-              <a:t>Table </a:t>
             </a:r>
             <a:r>
               <a:rPr lang="en-US" sz="2000" dirty="0">
                 <a:hlinkClick r:id="rId3" action="ppaction://hlinksldjump"/>
               </a:rPr>
-              <a:t>of Contents</a:t>
-            </a:r>
-            <a:r>
-              <a:rPr lang="en-US" sz="2000" dirty="0" smtClean="0"/>
+              <a:t>Table of Contents</a:t>
+            </a:r>
+            <a:r>
+              <a:rPr lang="en-US" sz="2000" dirty="0"/>
               <a:t>)</a:t>
             </a:r>
-            <a:endParaRPr lang="en-US" sz="2400" dirty="0" smtClean="0"/>
+            <a:endParaRPr lang="en-US" sz="2400" dirty="0"/>
           </a:p>
         </p:txBody>
       </p:sp>
@@ -6866,7 +6589,7 @@
               </a:lnSpc>
             </a:pPr>
             <a:r>
-              <a:rPr lang="en-US" sz="1800" b="1" dirty="0" smtClean="0"/>
+              <a:rPr lang="en-US" sz="1800" b="1" dirty="0"/>
               <a:t>2007 Apple MacBook Pro Hardware</a:t>
             </a:r>
           </a:p>
@@ -6877,11 +6600,11 @@
               </a:lnSpc>
             </a:pPr>
             <a:r>
-              <a:rPr lang="en-NZ" sz="1600" dirty="0" smtClean="0"/>
+              <a:rPr lang="en-NZ" sz="1600" dirty="0"/>
               <a:t>2.33 GHz Intel Core 2 Duo </a:t>
             </a:r>
             <a:r>
-              <a:rPr lang="en-US" sz="1600" dirty="0" smtClean="0"/>
+              <a:rPr lang="en-US" sz="1600" dirty="0"/>
               <a:t>processor</a:t>
             </a:r>
           </a:p>
@@ -6892,7 +6615,7 @@
               </a:lnSpc>
             </a:pPr>
             <a:r>
-              <a:rPr lang="en-US" sz="1600" dirty="0" smtClean="0"/>
+              <a:rPr lang="en-US" sz="1600" dirty="0"/>
               <a:t>4 GB RAM</a:t>
             </a:r>
           </a:p>
@@ -6903,11 +6626,11 @@
               </a:lnSpc>
             </a:pPr>
             <a:r>
-              <a:rPr lang="en-NZ" sz="1600" dirty="0" smtClean="0"/>
+              <a:rPr lang="en-NZ" sz="1600" dirty="0"/>
               <a:t>17” 1920x1200</a:t>
             </a:r>
             <a:r>
-              <a:rPr lang="en-US" sz="1600" dirty="0" smtClean="0"/>
+              <a:rPr lang="en-US" sz="1600" dirty="0"/>
               <a:t> pixel LCD display</a:t>
             </a:r>
           </a:p>
@@ -6918,10 +6641,10 @@
               </a:lnSpc>
             </a:pPr>
             <a:r>
-              <a:rPr lang="en-NZ" sz="1600" dirty="0" smtClean="0"/>
+              <a:rPr lang="en-NZ" sz="1600" dirty="0"/>
               <a:t>160 GB (5400 RPM) SATA 1.5 Gb/s internal hard drive</a:t>
             </a:r>
-            <a:endParaRPr lang="en-US" sz="1600" dirty="0" smtClean="0"/>
+            <a:endParaRPr lang="en-US" sz="1600" dirty="0"/>
           </a:p>
           <a:p>
             <a:pPr lvl="1" eaLnBrk="1" hangingPunct="1">
@@ -6930,7 +6653,7 @@
               </a:lnSpc>
             </a:pPr>
             <a:r>
-              <a:rPr lang="en-NZ" sz="1600" dirty="0" smtClean="0"/>
+              <a:rPr lang="en-NZ" sz="1600" dirty="0"/>
               <a:t>1.5 TB (7200 RPM) SATA 3 Gb/s external hard drive</a:t>
             </a:r>
           </a:p>
@@ -6941,7 +6664,7 @@
               </a:lnSpc>
             </a:pPr>
             <a:r>
-              <a:rPr lang="en-US" sz="1600" dirty="0" smtClean="0"/>
+              <a:rPr lang="en-US" sz="1600" dirty="0"/>
               <a:t>Ethernet Network Adapter</a:t>
             </a:r>
           </a:p>
@@ -6952,11 +6675,11 @@
               </a:lnSpc>
             </a:pPr>
             <a:r>
-              <a:rPr lang="en-US" sz="1600" dirty="0" err="1" smtClean="0"/>
+              <a:rPr lang="en-US" sz="1600" dirty="0" err="1"/>
               <a:t>WiFi</a:t>
             </a:r>
             <a:r>
-              <a:rPr lang="en-US" sz="1600" dirty="0" smtClean="0"/>
+              <a:rPr lang="en-US" sz="1600" dirty="0"/>
               <a:t> Wireless Network Adapter</a:t>
             </a:r>
           </a:p>
@@ -6967,7 +6690,7 @@
               </a:lnSpc>
             </a:pPr>
             <a:r>
-              <a:rPr lang="en-US" sz="1800" b="1" dirty="0" smtClean="0"/>
+              <a:rPr lang="en-US" sz="1800" b="1" dirty="0"/>
               <a:t>Development / Embedded Software</a:t>
             </a:r>
           </a:p>
@@ -6978,11 +6701,11 @@
               </a:lnSpc>
             </a:pPr>
             <a:r>
-              <a:rPr lang="en-US" sz="1600" dirty="0" smtClean="0"/>
+              <a:rPr lang="en-US" sz="1600" dirty="0"/>
               <a:t>MAC OS X 10.7.5 Lion</a:t>
             </a:r>
             <a:r>
-              <a:rPr lang="en-US" sz="1600" b="1" dirty="0" smtClean="0"/>
+              <a:rPr lang="en-US" sz="1600" b="1" dirty="0"/>
               <a:t> </a:t>
             </a:r>
           </a:p>
@@ -6993,7 +6716,7 @@
               </a:lnSpc>
             </a:pPr>
             <a:r>
-              <a:rPr lang="en-US" sz="1600" dirty="0" smtClean="0"/>
+              <a:rPr lang="en-US" sz="1600" dirty="0"/>
               <a:t>Wing IDE 3-4</a:t>
             </a:r>
           </a:p>
@@ -7004,7 +6727,7 @@
               </a:lnSpc>
             </a:pPr>
             <a:r>
-              <a:rPr lang="en-US" sz="1600" dirty="0" smtClean="0"/>
+              <a:rPr lang="en-US" sz="1600" dirty="0"/>
               <a:t>LibreOffice</a:t>
             </a:r>
           </a:p>
@@ -7015,10 +6738,10 @@
               </a:lnSpc>
             </a:pPr>
             <a:r>
-              <a:rPr lang="en-US" sz="1600" dirty="0" err="1" smtClean="0"/>
+              <a:rPr lang="en-US" sz="1600" dirty="0" err="1"/>
               <a:t>Xemacs</a:t>
             </a:r>
-            <a:endParaRPr lang="en-US" sz="1600" dirty="0" smtClean="0"/>
+            <a:endParaRPr lang="en-US" sz="1600" dirty="0"/>
           </a:p>
           <a:p>
             <a:pPr lvl="1" eaLnBrk="1" hangingPunct="1">
@@ -7027,7 +6750,7 @@
               </a:lnSpc>
             </a:pPr>
             <a:r>
-              <a:rPr lang="en-US" sz="1600" dirty="0" smtClean="0"/>
+              <a:rPr lang="en-US" sz="1600" dirty="0"/>
               <a:t>Python 2x &amp; 3x</a:t>
             </a:r>
           </a:p>
@@ -7054,7 +6777,7 @@
               </a:lnSpc>
             </a:pPr>
             <a:r>
-              <a:rPr lang="en-US" sz="1800" b="1" dirty="0" smtClean="0"/>
+              <a:rPr lang="en-US" sz="1800" b="1" dirty="0"/>
               <a:t>Guest (non-optimized) Embedded Software</a:t>
             </a:r>
           </a:p>
@@ -7065,11 +6788,11 @@
               </a:lnSpc>
             </a:pPr>
             <a:r>
-              <a:rPr lang="en-US" sz="1600" b="1" dirty="0" smtClean="0"/>
+              <a:rPr lang="en-US" sz="1600" b="1" dirty="0"/>
               <a:t>Parallels Desktop</a:t>
             </a:r>
             <a:r>
-              <a:rPr lang="en-US" sz="1600" dirty="0" smtClean="0"/>
+              <a:rPr lang="en-US" sz="1600" dirty="0"/>
               <a:t> 8 Hypervisor for running Guest OS:</a:t>
             </a:r>
           </a:p>
@@ -7080,34 +6803,34 @@
               </a:lnSpc>
             </a:pPr>
             <a:r>
-              <a:rPr lang="en-NZ" sz="1400" dirty="0" smtClean="0"/>
+              <a:rPr lang="en-NZ" sz="1400" dirty="0"/>
               <a:t>Linux (Fedora 20 32-bit, </a:t>
             </a:r>
             <a:r>
-              <a:rPr lang="en-NZ" sz="1400" dirty="0" err="1" smtClean="0"/>
+              <a:rPr lang="en-NZ" sz="1400" dirty="0" err="1"/>
               <a:t>OpenSuSE</a:t>
             </a:r>
             <a:r>
-              <a:rPr lang="en-NZ" sz="1400" dirty="0" smtClean="0"/>
+              <a:rPr lang="en-NZ" sz="1400" dirty="0"/>
               <a:t> 12.2 32-bit, Scientific (CentOS) 6.4-6.5 64-bit, Ubuntu 12.04 32-bit) with Python 2.7 and 3.2 </a:t>
             </a:r>
             <a:r>
-              <a:rPr lang="en-US" sz="1400" dirty="0" smtClean="0"/>
+              <a:rPr lang="en-US" sz="1400" dirty="0"/>
               <a:t>with Wing IDE 3, </a:t>
             </a:r>
             <a:r>
-              <a:rPr lang="en-US" sz="1400" dirty="0" err="1" smtClean="0"/>
+              <a:rPr lang="en-US" sz="1400" dirty="0" err="1"/>
               <a:t>LibraOffice</a:t>
             </a:r>
             <a:r>
-              <a:rPr lang="en-US" sz="1400" dirty="0" smtClean="0"/>
+              <a:rPr lang="en-US" sz="1400" dirty="0"/>
               <a:t> and </a:t>
             </a:r>
             <a:r>
-              <a:rPr lang="en-US" sz="1400" dirty="0" err="1" smtClean="0"/>
+              <a:rPr lang="en-US" sz="1400" dirty="0" err="1"/>
               <a:t>XEmacs</a:t>
             </a:r>
-            <a:endParaRPr lang="en-US" sz="1400" dirty="0" smtClean="0"/>
+            <a:endParaRPr lang="en-US" sz="1400" dirty="0"/>
           </a:p>
           <a:p>
             <a:pPr lvl="2" eaLnBrk="1" hangingPunct="1">
@@ -7116,14 +6839,14 @@
               </a:lnSpc>
             </a:pPr>
             <a:r>
-              <a:rPr lang="en-US" sz="1400" dirty="0" smtClean="0"/>
+              <a:rPr lang="en-US" sz="1400" dirty="0"/>
               <a:t>Microsoft Windows (XP, 7, 8 &amp; 8.1 each with Cygwin 1.7.8) with Wing IDE 3, AuthorIt-5, Office 2002 &amp; </a:t>
             </a:r>
             <a:r>
-              <a:rPr lang="en-US" sz="1400" dirty="0" err="1" smtClean="0"/>
+              <a:rPr lang="en-US" sz="1400" dirty="0" err="1"/>
               <a:t>XEmacs</a:t>
             </a:r>
-            <a:endParaRPr lang="en-US" sz="1400" dirty="0" smtClean="0"/>
+            <a:endParaRPr lang="en-US" sz="1400" dirty="0"/>
           </a:p>
           <a:p>
             <a:pPr lvl="2" eaLnBrk="1" hangingPunct="1">
@@ -7132,38 +6855,38 @@
               </a:lnSpc>
             </a:pPr>
             <a:r>
-              <a:rPr lang="en-US" sz="1400" dirty="0" smtClean="0"/>
+              <a:rPr lang="en-US" sz="1400" dirty="0"/>
               <a:t>Unix (PC-BSD 9.2-10.0, </a:t>
             </a:r>
             <a:r>
-              <a:rPr lang="en-US" sz="1400" dirty="0" err="1" smtClean="0"/>
+              <a:rPr lang="en-US" sz="1400" dirty="0" err="1"/>
               <a:t>OpenIndiana</a:t>
             </a:r>
             <a:r>
-              <a:rPr lang="en-US" sz="1400" dirty="0" smtClean="0"/>
+              <a:rPr lang="en-US" sz="1400" dirty="0"/>
               <a:t> 151a3 &amp; </a:t>
             </a:r>
             <a:r>
-              <a:rPr lang="en-US" sz="1400" dirty="0" err="1" smtClean="0"/>
+              <a:rPr lang="en-US" sz="1400" dirty="0" err="1"/>
               <a:t>OpenSolaris</a:t>
             </a:r>
             <a:r>
-              <a:rPr lang="en-US" sz="1400" dirty="0" smtClean="0"/>
+              <a:rPr lang="en-US" sz="1400" dirty="0"/>
               <a:t> 11) with </a:t>
             </a:r>
             <a:r>
-              <a:rPr lang="en-US" sz="1400" dirty="0" err="1" smtClean="0"/>
+              <a:rPr lang="en-US" sz="1400" dirty="0" err="1"/>
               <a:t>LibraOffice</a:t>
             </a:r>
             <a:r>
-              <a:rPr lang="en-US" sz="1400" dirty="0" smtClean="0"/>
+              <a:rPr lang="en-US" sz="1400" dirty="0"/>
               <a:t> and </a:t>
             </a:r>
             <a:r>
-              <a:rPr lang="en-US" sz="1400" dirty="0" err="1" smtClean="0"/>
+              <a:rPr lang="en-US" sz="1400" dirty="0" err="1"/>
               <a:t>Xemacs</a:t>
             </a:r>
-            <a:endParaRPr lang="en-US" sz="1400" dirty="0" smtClean="0"/>
+            <a:endParaRPr lang="en-US" sz="1400" dirty="0"/>
           </a:p>
           <a:p>
             <a:pPr lvl="1" eaLnBrk="1" hangingPunct="1">
@@ -7172,11 +6895,11 @@
               </a:lnSpc>
             </a:pPr>
             <a:r>
-              <a:rPr lang="en-US" sz="1600" b="1" dirty="0" smtClean="0"/>
+              <a:rPr lang="en-US" sz="1600" b="1" dirty="0"/>
               <a:t>VMware Fusion</a:t>
             </a:r>
             <a:r>
-              <a:rPr lang="en-US" sz="1600" dirty="0" smtClean="0"/>
+              <a:rPr lang="en-US" sz="1600" dirty="0"/>
               <a:t> 7 Hypervisor for running Guest OS:</a:t>
             </a:r>
           </a:p>
@@ -7187,15 +6910,15 @@
               </a:lnSpc>
             </a:pPr>
             <a:r>
-              <a:rPr lang="en-US" sz="1400" dirty="0" smtClean="0"/>
+              <a:rPr lang="en-US" sz="1400" dirty="0"/>
               <a:t>Linux (</a:t>
             </a:r>
             <a:r>
-              <a:rPr lang="en-US" sz="1400" dirty="0" err="1" smtClean="0"/>
+              <a:rPr lang="en-US" sz="1400" dirty="0" err="1"/>
               <a:t>OpenSuSE</a:t>
             </a:r>
             <a:r>
-              <a:rPr lang="en-US" sz="1400" dirty="0" smtClean="0"/>
+              <a:rPr lang="en-US" sz="1400" dirty="0"/>
               <a:t> 13.1)</a:t>
             </a:r>
           </a:p>
@@ -7206,16 +6929,8 @@
               </a:lnSpc>
             </a:pPr>
             <a:r>
-              <a:rPr lang="en-US" sz="1400" dirty="0" smtClean="0"/>
-              <a:t>Microsoft </a:t>
-            </a:r>
-            <a:r>
               <a:rPr lang="en-US" sz="1400" dirty="0"/>
-              <a:t>Windows </a:t>
-            </a:r>
-            <a:r>
-              <a:rPr lang="en-US" sz="1400" dirty="0" smtClean="0"/>
-              <a:t>(2000)</a:t>
+              <a:t>Microsoft Windows (2000)</a:t>
             </a:r>
           </a:p>
         </p:txBody>
@@ -7230,13 +6945,6 @@
   <p:clrMapOvr>
     <a:masterClrMapping/>
   </p:clrMapOvr>
-  <p:timing>
-    <p:tnLst>
-      <p:par>
-        <p:cTn id="1" dur="indefinite" restart="never" nodeType="tmRoot"/>
-      </p:par>
-    </p:tnLst>
-  </p:timing>
 </p:sld>
 </file>
 
@@ -7276,9 +6984,9 @@
           <a:p>
             <a:fld id="{3379E2F9-EB65-40CE-B811-500394624150}" type="datetime1">
               <a:rPr lang="en-US" smtClean="0"/>
-              <a:t>11/25/2015</a:t>
+              <a:t>12/23/2016</a:t>
             </a:fld>
-            <a:endParaRPr lang="en-US" smtClean="0"/>
+            <a:endParaRPr lang="en-US"/>
           </a:p>
         </p:txBody>
       </p:sp>
@@ -7300,7 +7008,7 @@
           <a:lstStyle/>
           <a:p>
             <a:r>
-              <a:rPr lang="en-US" dirty="0" smtClean="0"/>
+              <a:rPr lang="en-US" dirty="0"/>
               <a:t>TeamSTARS "tsWxGTUI_PyVx" Toolkit prepared &amp; presented by Richard S. Gordon</a:t>
             </a:r>
           </a:p>
@@ -7349,49 +7057,31 @@
           <a:p>
             <a:pPr eaLnBrk="1" hangingPunct="1"/>
             <a:r>
-              <a:rPr lang="en-US" dirty="0" smtClean="0"/>
+              <a:rPr lang="en-US" dirty="0"/>
               <a:t>Professional Development Workstation</a:t>
             </a:r>
-            <a:r>
-              <a:rPr lang="en-US" dirty="0" smtClean="0"/>
-              <a:t/>
-            </a:r>
             <a:br>
-              <a:rPr lang="en-US" dirty="0" smtClean="0"/>
+              <a:rPr lang="en-US" dirty="0"/>
             </a:br>
             <a:r>
-              <a:rPr lang="en-US" dirty="0" smtClean="0"/>
-              <a:t>and </a:t>
-            </a:r>
-            <a:r>
               <a:rPr lang="en-US" dirty="0"/>
-              <a:t>Guest “Embedded” </a:t>
-            </a:r>
-            <a:r>
-              <a:rPr lang="en-US" dirty="0" smtClean="0"/>
-              <a:t>System </a:t>
-            </a:r>
-            <a:r>
-              <a:rPr lang="en-US" sz="2000" dirty="0" smtClean="0"/>
+              <a:t>and Guest “Embedded” System </a:t>
+            </a:r>
+            <a:r>
+              <a:rPr lang="en-US" sz="2000" dirty="0"/>
               <a:t>(</a:t>
-            </a:r>
-            <a:r>
-              <a:rPr lang="en-US" sz="2000" dirty="0" smtClean="0">
-                <a:hlinkClick r:id="rId3" action="ppaction://hlinksldjump"/>
-              </a:rPr>
-              <a:t>Table </a:t>
             </a:r>
             <a:r>
               <a:rPr lang="en-US" sz="2000" dirty="0">
                 <a:hlinkClick r:id="rId3" action="ppaction://hlinksldjump"/>
               </a:rPr>
-              <a:t>of Contents</a:t>
-            </a:r>
-            <a:r>
-              <a:rPr lang="en-US" sz="2000" dirty="0" smtClean="0"/>
+              <a:t>Table of Contents</a:t>
+            </a:r>
+            <a:r>
+              <a:rPr lang="en-US" sz="2000" dirty="0"/>
               <a:t>)</a:t>
             </a:r>
-            <a:endParaRPr lang="en-US" sz="2400" dirty="0" smtClean="0"/>
+            <a:endParaRPr lang="en-US" sz="2400" dirty="0"/>
           </a:p>
         </p:txBody>
       </p:sp>
@@ -7416,7 +7106,7 @@
               </a:lnSpc>
             </a:pPr>
             <a:r>
-              <a:rPr lang="en-US" sz="1800" b="1" dirty="0" smtClean="0"/>
+              <a:rPr lang="en-US" sz="1800" b="1" dirty="0"/>
               <a:t>2013 Apple iMac Desktop Hardware </a:t>
             </a:r>
           </a:p>
@@ -7427,7 +7117,7 @@
               </a:lnSpc>
             </a:pPr>
             <a:r>
-              <a:rPr lang="en-US" sz="1600" dirty="0" smtClean="0"/>
+              <a:rPr lang="en-US" sz="1600" dirty="0"/>
               <a:t>3.5 GHz Intel Quad Core i7 processor</a:t>
             </a:r>
           </a:p>
@@ -7438,7 +7128,7 @@
               </a:lnSpc>
             </a:pPr>
             <a:r>
-              <a:rPr lang="en-US" sz="1600" dirty="0" smtClean="0"/>
+              <a:rPr lang="en-US" sz="1600" dirty="0"/>
               <a:t>16 GB RAM</a:t>
             </a:r>
           </a:p>
@@ -7449,7 +7139,7 @@
               </a:lnSpc>
             </a:pPr>
             <a:r>
-              <a:rPr lang="en-US" sz="1600" dirty="0" smtClean="0"/>
+              <a:rPr lang="en-US" sz="1600" dirty="0"/>
               <a:t>27” 2560x1440 pixel LCD display</a:t>
             </a:r>
           </a:p>
@@ -7460,7 +7150,7 @@
               </a:lnSpc>
             </a:pPr>
             <a:r>
-              <a:rPr lang="en-US" sz="1600" dirty="0" smtClean="0"/>
+              <a:rPr lang="en-US" sz="1600" dirty="0"/>
               <a:t>3 TB (7200 RPM) SATA 6 Gb/s internal hard drive with 128 GB Solid State Flash memory  </a:t>
             </a:r>
           </a:p>
@@ -7471,7 +7161,7 @@
               </a:lnSpc>
             </a:pPr>
             <a:r>
-              <a:rPr lang="en-US" sz="1600" dirty="0" smtClean="0"/>
+              <a:rPr lang="en-US" sz="1600" dirty="0"/>
               <a:t>Ethernet Network Adapter</a:t>
             </a:r>
           </a:p>
@@ -7482,14 +7172,14 @@
               </a:lnSpc>
             </a:pPr>
             <a:r>
-              <a:rPr lang="en-US" sz="1600" dirty="0" err="1" smtClean="0"/>
+              <a:rPr lang="en-US" sz="1600" dirty="0" err="1"/>
               <a:t>WiFi</a:t>
             </a:r>
             <a:r>
-              <a:rPr lang="en-US" sz="1600" dirty="0" smtClean="0"/>
+              <a:rPr lang="en-US" sz="1600" dirty="0"/>
               <a:t> Wireless Network Adapter</a:t>
             </a:r>
-            <a:endParaRPr lang="en-US" sz="1600" b="1" dirty="0" smtClean="0"/>
+            <a:endParaRPr lang="en-US" sz="1600" b="1" dirty="0"/>
           </a:p>
           <a:p>
             <a:pPr eaLnBrk="1" hangingPunct="1">
@@ -7498,7 +7188,7 @@
               </a:lnSpc>
             </a:pPr>
             <a:r>
-              <a:rPr lang="en-US" sz="1800" b="1" dirty="0" smtClean="0"/>
+              <a:rPr lang="en-US" sz="1800" b="1" dirty="0"/>
               <a:t>Development / Embedded Software</a:t>
             </a:r>
           </a:p>
@@ -7509,7 +7199,7 @@
               </a:lnSpc>
             </a:pPr>
             <a:r>
-              <a:rPr lang="en-US" sz="1600" dirty="0" smtClean="0"/>
+              <a:rPr lang="en-US" sz="1600" dirty="0"/>
               <a:t>MAC OS X 10.11 El Capitan</a:t>
             </a:r>
           </a:p>
@@ -7520,7 +7210,7 @@
               </a:lnSpc>
             </a:pPr>
             <a:r>
-              <a:rPr lang="en-US" sz="1600" dirty="0" smtClean="0"/>
+              <a:rPr lang="en-US" sz="1600" dirty="0"/>
               <a:t>Wing IDE 5</a:t>
             </a:r>
           </a:p>
@@ -7531,7 +7221,7 @@
               </a:lnSpc>
             </a:pPr>
             <a:r>
-              <a:rPr lang="en-US" sz="1600" dirty="0" smtClean="0"/>
+              <a:rPr lang="en-US" sz="1600" dirty="0"/>
               <a:t>LibreOffice</a:t>
             </a:r>
           </a:p>
@@ -7542,7 +7232,7 @@
               </a:lnSpc>
             </a:pPr>
             <a:r>
-              <a:rPr lang="en-US" sz="1600" dirty="0" smtClean="0"/>
+              <a:rPr lang="en-US" sz="1600" dirty="0"/>
               <a:t>Microsoft Office for Mac 2011</a:t>
             </a:r>
           </a:p>
@@ -7553,10 +7243,10 @@
               </a:lnSpc>
             </a:pPr>
             <a:r>
-              <a:rPr lang="en-US" sz="1600" dirty="0" err="1" smtClean="0"/>
+              <a:rPr lang="en-US" sz="1600" dirty="0" err="1"/>
               <a:t>Xemacs</a:t>
             </a:r>
-            <a:endParaRPr lang="en-US" sz="1600" dirty="0" smtClean="0"/>
+            <a:endParaRPr lang="en-US" sz="1600" dirty="0"/>
           </a:p>
           <a:p>
             <a:pPr lvl="1" eaLnBrk="1" hangingPunct="1">
@@ -7565,7 +7255,7 @@
               </a:lnSpc>
             </a:pPr>
             <a:r>
-              <a:rPr lang="en-US" sz="1600" dirty="0" smtClean="0"/>
+              <a:rPr lang="en-US" sz="1600" dirty="0"/>
               <a:t>Python 2x &amp; 3x</a:t>
             </a:r>
           </a:p>
@@ -7592,7 +7282,7 @@
               </a:lnSpc>
             </a:pPr>
             <a:r>
-              <a:rPr lang="en-US" sz="1800" b="1" dirty="0" smtClean="0"/>
+              <a:rPr lang="en-US" sz="1800" b="1" dirty="0"/>
               <a:t>Guest (non-optimized) Embedded Software</a:t>
             </a:r>
           </a:p>
@@ -7603,11 +7293,11 @@
               </a:lnSpc>
             </a:pPr>
             <a:r>
-              <a:rPr lang="en-US" sz="1600" b="1" dirty="0" smtClean="0"/>
+              <a:rPr lang="en-US" sz="1600" b="1" dirty="0"/>
               <a:t>Parallels Desktop</a:t>
             </a:r>
             <a:r>
-              <a:rPr lang="en-US" sz="1600" dirty="0" smtClean="0"/>
+              <a:rPr lang="en-US" sz="1600" dirty="0"/>
               <a:t> 11 Hypervisor for running Guest OS:</a:t>
             </a:r>
           </a:p>
@@ -7618,38 +7308,38 @@
               </a:lnSpc>
             </a:pPr>
             <a:r>
-              <a:rPr lang="en-US" sz="1400" dirty="0" smtClean="0"/>
+              <a:rPr lang="en-US" sz="1400" dirty="0"/>
               <a:t>Linux (Centos 7, </a:t>
             </a:r>
             <a:r>
-              <a:rPr lang="en-US" sz="1400" dirty="0" err="1" smtClean="0"/>
+              <a:rPr lang="en-US" sz="1400" dirty="0" err="1"/>
               <a:t>Debian</a:t>
             </a:r>
             <a:r>
-              <a:rPr lang="en-US" sz="1400" dirty="0" smtClean="0"/>
+              <a:rPr lang="en-US" sz="1400" dirty="0"/>
               <a:t> 8, Fedora 22, </a:t>
             </a:r>
             <a:r>
-              <a:rPr lang="en-US" sz="1400" dirty="0" err="1" smtClean="0"/>
+              <a:rPr lang="en-US" sz="1400" dirty="0" err="1"/>
               <a:t>OpenSuSE</a:t>
             </a:r>
             <a:r>
-              <a:rPr lang="en-US" sz="1400" dirty="0" smtClean="0"/>
+              <a:rPr lang="en-US" sz="1400" dirty="0"/>
               <a:t> 13.2, Scientific 7 &amp; Ubuntu 14.04 LTS &amp; 15.04) with Wing IDE 5, </a:t>
             </a:r>
             <a:r>
-              <a:rPr lang="en-US" sz="1400" dirty="0" err="1" smtClean="0"/>
+              <a:rPr lang="en-US" sz="1400" dirty="0" err="1"/>
               <a:t>LibraOffice</a:t>
             </a:r>
             <a:r>
-              <a:rPr lang="en-US" sz="1400" dirty="0" smtClean="0"/>
+              <a:rPr lang="en-US" sz="1400" dirty="0"/>
               <a:t> and </a:t>
             </a:r>
             <a:r>
-              <a:rPr lang="en-US" sz="1400" dirty="0" err="1" smtClean="0"/>
+              <a:rPr lang="en-US" sz="1400" dirty="0" err="1"/>
               <a:t>XEmacs</a:t>
             </a:r>
-            <a:endParaRPr lang="en-US" sz="1400" dirty="0" smtClean="0"/>
+            <a:endParaRPr lang="en-US" sz="1400" dirty="0"/>
           </a:p>
           <a:p>
             <a:pPr lvl="2" eaLnBrk="1" hangingPunct="1">
@@ -7658,14 +7348,14 @@
               </a:lnSpc>
             </a:pPr>
             <a:r>
-              <a:rPr lang="en-US" sz="1400" dirty="0" smtClean="0"/>
+              <a:rPr lang="en-US" sz="1400" dirty="0"/>
               <a:t>Microsoft Windows (XP, 7, 8, 8.1 &amp; 10) with Wing IDE 5, AuthorIt-5, Office 2002 &amp; </a:t>
             </a:r>
             <a:r>
-              <a:rPr lang="en-US" sz="1400" dirty="0" err="1" smtClean="0"/>
+              <a:rPr lang="en-US" sz="1400" dirty="0" err="1"/>
               <a:t>XEmacs</a:t>
             </a:r>
-            <a:endParaRPr lang="en-US" sz="1400" dirty="0" smtClean="0"/>
+            <a:endParaRPr lang="en-US" sz="1400" dirty="0"/>
           </a:p>
           <a:p>
             <a:pPr lvl="2" eaLnBrk="1" hangingPunct="1">
@@ -7674,38 +7364,38 @@
               </a:lnSpc>
             </a:pPr>
             <a:r>
-              <a:rPr lang="en-US" sz="1400" dirty="0" smtClean="0"/>
+              <a:rPr lang="en-US" sz="1400" dirty="0"/>
               <a:t>Unix (FreeBSD 11/PC-BSD 11, </a:t>
             </a:r>
             <a:r>
-              <a:rPr lang="en-US" sz="1400" dirty="0" err="1" smtClean="0"/>
+              <a:rPr lang="en-US" sz="1400" dirty="0" err="1"/>
               <a:t>OpenIndiana</a:t>
             </a:r>
             <a:r>
-              <a:rPr lang="en-US" sz="1400" dirty="0" smtClean="0"/>
+              <a:rPr lang="en-US" sz="1400" dirty="0"/>
               <a:t> 151a8 &amp; </a:t>
             </a:r>
             <a:r>
-              <a:rPr lang="en-US" sz="1400" dirty="0" err="1" smtClean="0"/>
+              <a:rPr lang="en-US" sz="1400" dirty="0" err="1"/>
               <a:t>OpenSolaris</a:t>
             </a:r>
             <a:r>
-              <a:rPr lang="en-US" sz="1400" dirty="0" smtClean="0"/>
+              <a:rPr lang="en-US" sz="1400" dirty="0"/>
               <a:t> 11) with </a:t>
             </a:r>
             <a:r>
-              <a:rPr lang="en-US" sz="1400" dirty="0" err="1" smtClean="0"/>
+              <a:rPr lang="en-US" sz="1400" dirty="0" err="1"/>
               <a:t>LibraOffice</a:t>
             </a:r>
             <a:r>
-              <a:rPr lang="en-US" sz="1400" dirty="0" smtClean="0"/>
+              <a:rPr lang="en-US" sz="1400" dirty="0"/>
               <a:t> and </a:t>
             </a:r>
             <a:r>
-              <a:rPr lang="en-US" sz="1400" dirty="0" err="1" smtClean="0"/>
+              <a:rPr lang="en-US" sz="1400" dirty="0" err="1"/>
               <a:t>Xemacs</a:t>
             </a:r>
-            <a:endParaRPr lang="en-US" sz="1400" dirty="0" smtClean="0"/>
+            <a:endParaRPr lang="en-US" sz="1400" dirty="0"/>
           </a:p>
           <a:p>
             <a:pPr lvl="1" eaLnBrk="1" hangingPunct="1">
@@ -7714,11 +7404,11 @@
               </a:lnSpc>
             </a:pPr>
             <a:r>
-              <a:rPr lang="en-US" sz="1600" b="1" dirty="0" smtClean="0"/>
+              <a:rPr lang="en-US" sz="1600" b="1" dirty="0"/>
               <a:t>VMware Fusion</a:t>
             </a:r>
             <a:r>
-              <a:rPr lang="en-US" sz="1600" dirty="0" smtClean="0"/>
+              <a:rPr lang="en-US" sz="1600" dirty="0"/>
               <a:t> 7 Hypervisor for running Guest OS:</a:t>
             </a:r>
           </a:p>
@@ -7729,15 +7419,15 @@
               </a:lnSpc>
             </a:pPr>
             <a:r>
-              <a:rPr lang="en-US" sz="1400" dirty="0" smtClean="0"/>
+              <a:rPr lang="en-US" sz="1400" dirty="0"/>
               <a:t>Linux (</a:t>
             </a:r>
             <a:r>
-              <a:rPr lang="en-US" sz="1400" dirty="0" err="1" smtClean="0"/>
+              <a:rPr lang="en-US" sz="1400" dirty="0" err="1"/>
               <a:t>OpenSuSE</a:t>
             </a:r>
             <a:r>
-              <a:rPr lang="en-US" sz="1400" dirty="0" smtClean="0"/>
+              <a:rPr lang="en-US" sz="1400" dirty="0"/>
               <a:t> 13.1)</a:t>
             </a:r>
           </a:p>
@@ -7748,7 +7438,7 @@
               </a:lnSpc>
             </a:pPr>
             <a:r>
-              <a:rPr lang="en-US" sz="1400" dirty="0" smtClean="0"/>
+              <a:rPr lang="en-US" sz="1400" dirty="0"/>
               <a:t>Microsoft Windows (2000) </a:t>
             </a:r>
           </a:p>
@@ -7764,13 +7454,6 @@
   <p:clrMapOvr>
     <a:masterClrMapping/>
   </p:clrMapOvr>
-  <p:timing>
-    <p:tnLst>
-      <p:par>
-        <p:cTn id="1" dur="indefinite" restart="never" nodeType="tmRoot"/>
-      </p:par>
-    </p:tnLst>
-  </p:timing>
 </p:sld>
 </file>
 
